--- a/images/picture.pptx
+++ b/images/picture.pptx
@@ -241,6 +241,11 @@
       </a:defRPr>
     </a:lvl9pPr>
   </p:defaultTextStyle>
+  <p:extLst>
+    <p:ext uri="{EFAFB233-063F-42B5-8137-9DF3F51BA10A}">
+      <p15:sldGuideLst xmlns:p15="http://schemas.microsoft.com/office/powerpoint/2012/main"/>
+    </p:ext>
+  </p:extLst>
 </p:presentation>
 </file>
 
@@ -752,8 +757,8 @@
         </p:nvSpPr>
         <p:spPr>
           <a:xfrm>
-            <a:off x="1143225" y="685800"/>
-            <a:ext cx="4572300" cy="3429000"/>
+            <a:off x="381000" y="685800"/>
+            <a:ext cx="6096000" cy="3429000"/>
           </a:xfrm>
           <a:custGeom>
             <a:avLst/>
@@ -1502,7 +1507,7 @@
             </a:pPr>
             <a:fld id="{00000000-1234-1234-1234-123412341234}" type="slidenum">
               <a:rPr lang="de-DE"/>
-              <a:t>‹Nr.›</a:t>
+              <a:t>‹#›</a:t>
             </a:fld>
             <a:endParaRPr/>
           </a:p>
@@ -2229,7 +2234,7 @@
             </a:pPr>
             <a:fld id="{00000000-1234-1234-1234-123412341234}" type="slidenum">
               <a:rPr lang="de-DE"/>
-              <a:t>‹Nr.›</a:t>
+              <a:t>‹#›</a:t>
             </a:fld>
             <a:endParaRPr/>
           </a:p>
@@ -2956,7 +2961,7 @@
             </a:pPr>
             <a:fld id="{00000000-1234-1234-1234-123412341234}" type="slidenum">
               <a:rPr lang="de-DE"/>
-              <a:t>‹Nr.›</a:t>
+              <a:t>‹#›</a:t>
             </a:fld>
             <a:endParaRPr/>
           </a:p>
@@ -3684,7 +3689,7 @@
             </a:pPr>
             <a:fld id="{00000000-1234-1234-1234-123412341234}" type="slidenum">
               <a:rPr lang="de-DE"/>
-              <a:t>‹Nr.›</a:t>
+              <a:t>‹#›</a:t>
             </a:fld>
             <a:endParaRPr/>
           </a:p>
@@ -4448,7 +4453,7 @@
             </a:pPr>
             <a:fld id="{00000000-1234-1234-1234-123412341234}" type="slidenum">
               <a:rPr lang="de-DE"/>
-              <a:t>‹Nr.›</a:t>
+              <a:t>‹#›</a:t>
             </a:fld>
             <a:endParaRPr/>
           </a:p>
@@ -5362,7 +5367,7 @@
             </a:pPr>
             <a:fld id="{00000000-1234-1234-1234-123412341234}" type="slidenum">
               <a:rPr lang="de-DE"/>
-              <a:t>‹Nr.›</a:t>
+              <a:t>‹#›</a:t>
             </a:fld>
             <a:endParaRPr/>
           </a:p>
@@ -6650,7 +6655,7 @@
             </a:pPr>
             <a:fld id="{00000000-1234-1234-1234-123412341234}" type="slidenum">
               <a:rPr lang="de-DE"/>
-              <a:t>‹Nr.›</a:t>
+              <a:t>‹#›</a:t>
             </a:fld>
             <a:endParaRPr/>
           </a:p>
@@ -7190,7 +7195,7 @@
             </a:pPr>
             <a:fld id="{00000000-1234-1234-1234-123412341234}" type="slidenum">
               <a:rPr lang="de-DE"/>
-              <a:t>‹Nr.›</a:t>
+              <a:t>‹#›</a:t>
             </a:fld>
             <a:endParaRPr/>
           </a:p>
@@ -7591,7 +7596,7 @@
             </a:pPr>
             <a:fld id="{00000000-1234-1234-1234-123412341234}" type="slidenum">
               <a:rPr lang="de-DE"/>
-              <a:t>‹Nr.›</a:t>
+              <a:t>‹#›</a:t>
             </a:fld>
             <a:endParaRPr/>
           </a:p>
@@ -8506,7 +8511,7 @@
             </a:pPr>
             <a:fld id="{00000000-1234-1234-1234-123412341234}" type="slidenum">
               <a:rPr lang="de-DE"/>
-              <a:t>‹Nr.›</a:t>
+              <a:t>‹#›</a:t>
             </a:fld>
             <a:endParaRPr/>
           </a:p>
@@ -9502,7 +9507,7 @@
             </a:pPr>
             <a:fld id="{00000000-1234-1234-1234-123412341234}" type="slidenum">
               <a:rPr lang="de-DE"/>
-              <a:t>‹Nr.›</a:t>
+              <a:t>‹#›</a:t>
             </a:fld>
             <a:endParaRPr/>
           </a:p>
@@ -10543,7 +10548,7 @@
             </a:pPr>
             <a:fld id="{00000000-1234-1234-1234-123412341234}" type="slidenum">
               <a:rPr lang="de-DE"/>
-              <a:t>‹Nr.›</a:t>
+              <a:t>‹#›</a:t>
             </a:fld>
             <a:endParaRPr/>
           </a:p>
@@ -11261,6 +11266,14 @@
 <file path=ppt/slides/slide1.xml><?xml version="1.0" encoding="utf-8"?>
 <p:sld xmlns:a="http://schemas.openxmlformats.org/drawingml/2006/main" xmlns:r="http://schemas.openxmlformats.org/officeDocument/2006/relationships" xmlns:p="http://schemas.openxmlformats.org/presentationml/2006/main">
   <p:cSld>
+    <p:bg>
+      <p:bgPr>
+        <a:solidFill>
+          <a:schemeClr val="bg1"/>
+        </a:solidFill>
+        <a:effectLst/>
+      </p:bgPr>
+    </p:bg>
     <p:spTree>
       <p:nvGrpSpPr>
         <p:cNvPr id="1" name="Shape 83"/>
@@ -11277,6 +11290,59 @@
       </p:grpSpPr>
       <p:sp>
         <p:nvSpPr>
+          <p:cNvPr id="21" name="Google Shape;98;p13">
+            <a:extLst>
+              <a:ext uri="{FF2B5EF4-FFF2-40B4-BE49-F238E27FC236}">
+                <a16:creationId xmlns:a16="http://schemas.microsoft.com/office/drawing/2014/main" id="{8E6084B4-C2EB-42B7-90A9-44830735CA27}"/>
+              </a:ext>
+            </a:extLst>
+          </p:cNvPr>
+          <p:cNvSpPr/>
+          <p:nvPr/>
+        </p:nvSpPr>
+        <p:spPr>
+          <a:xfrm rot="16200000">
+            <a:off x="5691512" y="4503616"/>
+            <a:ext cx="154500" cy="328799"/>
+          </a:xfrm>
+          <a:prstGeom prst="downArrow">
+            <a:avLst>
+              <a:gd name="adj1" fmla="val 50000"/>
+              <a:gd name="adj2" fmla="val 50000"/>
+            </a:avLst>
+          </a:prstGeom>
+          <a:solidFill>
+            <a:srgbClr val="5D7391"/>
+          </a:solidFill>
+          <a:ln>
+            <a:solidFill>
+              <a:schemeClr val="bg2">
+                <a:lumMod val="75000"/>
+              </a:schemeClr>
+            </a:solidFill>
+          </a:ln>
+          <a:effectLst/>
+        </p:spPr>
+        <p:txBody>
+          <a:bodyPr spcFirstLastPara="1" wrap="square" lIns="91425" tIns="45700" rIns="91425" bIns="45700" anchor="ctr" anchorCtr="0">
+            <a:noAutofit/>
+          </a:bodyPr>
+          <a:lstStyle/>
+          <a:p>
+            <a:pPr algn="ctr"/>
+            <a:endParaRPr sz="2400">
+              <a:solidFill>
+                <a:schemeClr val="lt1"/>
+              </a:solidFill>
+              <a:latin typeface="Calibri"/>
+              <a:cs typeface="Calibri"/>
+              <a:sym typeface="Calibri"/>
+            </a:endParaRPr>
+          </a:p>
+        </p:txBody>
+      </p:sp>
+      <p:sp>
+        <p:nvSpPr>
           <p:cNvPr id="84" name="Google Shape;84;p13"/>
           <p:cNvSpPr/>
           <p:nvPr/>
@@ -11284,30 +11350,26 @@
         <p:spPr>
           <a:xfrm>
             <a:off x="3154260" y="3754073"/>
-            <a:ext cx="6144900" cy="582900"/>
+            <a:ext cx="6219012" cy="582900"/>
           </a:xfrm>
           <a:prstGeom prst="rect">
             <a:avLst/>
           </a:prstGeom>
           <a:solidFill>
-            <a:schemeClr val="accent1"/>
+            <a:srgbClr val="00B050"/>
           </a:solidFill>
           <a:ln w="12700" cap="flat" cmpd="sng">
             <a:solidFill>
-              <a:srgbClr val="31538F"/>
+              <a:schemeClr val="accent6">
+                <a:lumMod val="75000"/>
+              </a:schemeClr>
             </a:solidFill>
             <a:prstDash val="solid"/>
             <a:miter lim="800000"/>
             <a:headEnd type="none" w="sm" len="sm"/>
             <a:tailEnd type="none" w="sm" len="sm"/>
           </a:ln>
-          <a:effectLst>
-            <a:outerShdw blurRad="50800" dist="38100" dir="16200000" rotWithShape="0">
-              <a:srgbClr val="000000">
-                <a:alpha val="40000"/>
-              </a:srgbClr>
-            </a:outerShdw>
-          </a:effectLst>
+          <a:effectLst/>
         </p:spPr>
         <p:txBody>
           <a:bodyPr spcFirstLastPara="1" wrap="square" lIns="91425" tIns="45700" rIns="91425" bIns="45700" anchor="ctr" anchorCtr="0">
@@ -11315,33 +11377,44 @@
           </a:bodyPr>
           <a:lstStyle/>
           <a:p>
-            <a:pPr marL="0" marR="0" lvl="0" indent="0" algn="ctr" rtl="0">
-              <a:spcBef>
-                <a:spcPts val="0"/>
-              </a:spcBef>
-              <a:spcAft>
-                <a:spcPts val="0"/>
-              </a:spcAft>
-              <a:buNone/>
-            </a:pPr>
+            <a:pPr algn="ctr"/>
             <a:r>
-              <a:rPr lang="de-DE" sz="1800">
+              <a:rPr lang="de-DE" sz="2400" b="1" dirty="0">
                 <a:solidFill>
                   <a:schemeClr val="lt1"/>
                 </a:solidFill>
                 <a:latin typeface="Calibri"/>
-                <a:ea typeface="Calibri"/>
                 <a:cs typeface="Calibri"/>
                 <a:sym typeface="Calibri"/>
               </a:rPr>
-              <a:t>Base packages with permissive license (e.g. base, rendering, media)</a:t>
+              <a:t>Aardvark Platform</a:t>
             </a:r>
-            <a:endParaRPr sz="1800" b="0" i="0" u="none" strike="noStrike" cap="none">
+            <a:br>
+              <a:rPr lang="de-DE" sz="1800" b="1" dirty="0">
+                <a:solidFill>
+                  <a:schemeClr val="lt1"/>
+                </a:solidFill>
+                <a:latin typeface="Calibri"/>
+                <a:cs typeface="Calibri"/>
+                <a:sym typeface="Calibri"/>
+              </a:rPr>
+            </a:br>
+            <a:r>
+              <a:rPr lang="de-AT" dirty="0">
+                <a:solidFill>
+                  <a:schemeClr val="lt1"/>
+                </a:solidFill>
+                <a:latin typeface="Calibri"/>
+                <a:cs typeface="Calibri"/>
+                <a:sym typeface="Calibri"/>
+              </a:rPr>
+              <a:t>Permissive License</a:t>
+            </a:r>
+            <a:endParaRPr dirty="0">
               <a:solidFill>
                 <a:schemeClr val="lt1"/>
               </a:solidFill>
               <a:latin typeface="Calibri"/>
-              <a:ea typeface="Calibri"/>
               <a:cs typeface="Calibri"/>
               <a:sym typeface="Calibri"/>
             </a:endParaRPr>
@@ -11356,31 +11429,27 @@
         </p:nvSpPr>
         <p:spPr>
           <a:xfrm>
-            <a:off x="3154258" y="1015912"/>
-            <a:ext cx="3516300" cy="1334700"/>
+            <a:off x="3154257" y="1015912"/>
+            <a:ext cx="3000197" cy="1334700"/>
           </a:xfrm>
           <a:prstGeom prst="rect">
             <a:avLst/>
           </a:prstGeom>
           <a:solidFill>
-            <a:schemeClr val="accent1"/>
+            <a:srgbClr val="00B050"/>
           </a:solidFill>
           <a:ln w="12700" cap="flat" cmpd="sng">
             <a:solidFill>
-              <a:srgbClr val="31538F"/>
+              <a:schemeClr val="accent6">
+                <a:lumMod val="75000"/>
+              </a:schemeClr>
             </a:solidFill>
             <a:prstDash val="solid"/>
             <a:miter lim="800000"/>
             <a:headEnd type="none" w="sm" len="sm"/>
             <a:tailEnd type="none" w="sm" len="sm"/>
           </a:ln>
-          <a:effectLst>
-            <a:outerShdw blurRad="50800" dist="38100" dir="16200000" rotWithShape="0">
-              <a:srgbClr val="000000">
-                <a:alpha val="40000"/>
-              </a:srgbClr>
-            </a:outerShdw>
-          </a:effectLst>
+          <a:effectLst/>
         </p:spPr>
         <p:txBody>
           <a:bodyPr spcFirstLastPara="1" wrap="square" lIns="91425" tIns="45700" rIns="91425" bIns="45700" anchor="ctr" anchorCtr="0">
@@ -11388,33 +11457,23 @@
           </a:bodyPr>
           <a:lstStyle/>
           <a:p>
-            <a:pPr marL="0" marR="0" lvl="0" indent="0" algn="ctr" rtl="0">
-              <a:spcBef>
-                <a:spcPts val="0"/>
-              </a:spcBef>
-              <a:spcAft>
-                <a:spcPts val="0"/>
-              </a:spcAft>
-              <a:buNone/>
-            </a:pPr>
+            <a:pPr algn="ctr"/>
             <a:r>
-              <a:rPr lang="de-DE" sz="1800" b="0" i="0" u="none" strike="noStrike" cap="none">
+              <a:rPr lang="de-DE" sz="2400" b="1" dirty="0">
                 <a:solidFill>
                   <a:schemeClr val="lt1"/>
                 </a:solidFill>
                 <a:latin typeface="Calibri"/>
-                <a:ea typeface="Calibri"/>
                 <a:cs typeface="Calibri"/>
                 <a:sym typeface="Calibri"/>
               </a:rPr>
-              <a:t>Research, funded projects &amp; teaching</a:t>
+              <a:t>Research and Teaching</a:t>
             </a:r>
-            <a:endParaRPr sz="1800" b="0" i="0" u="none" strike="noStrike" cap="none">
+            <a:endParaRPr sz="2400" b="1" dirty="0">
               <a:solidFill>
                 <a:schemeClr val="lt1"/>
               </a:solidFill>
               <a:latin typeface="Calibri"/>
-              <a:ea typeface="Calibri"/>
               <a:cs typeface="Calibri"/>
               <a:sym typeface="Calibri"/>
             </a:endParaRPr>
@@ -11429,25 +11488,23 @@
         </p:nvSpPr>
         <p:spPr>
           <a:xfrm>
-            <a:off x="7003385" y="1030494"/>
-            <a:ext cx="981600" cy="1334700"/>
+            <a:off x="6373075" y="1011143"/>
+            <a:ext cx="3000197" cy="1334700"/>
           </a:xfrm>
           <a:prstGeom prst="rect">
             <a:avLst/>
           </a:prstGeom>
           <a:solidFill>
-            <a:schemeClr val="accent4"/>
+            <a:srgbClr val="5D7391"/>
           </a:solidFill>
           <a:ln>
-            <a:noFill/>
+            <a:solidFill>
+              <a:schemeClr val="bg2">
+                <a:lumMod val="75000"/>
+              </a:schemeClr>
+            </a:solidFill>
           </a:ln>
-          <a:effectLst>
-            <a:outerShdw blurRad="50800" dist="38100" dir="16200000" rotWithShape="0">
-              <a:srgbClr val="000000">
-                <a:alpha val="40000"/>
-              </a:srgbClr>
-            </a:outerShdw>
-          </a:effectLst>
+          <a:effectLst/>
         </p:spPr>
         <p:txBody>
           <a:bodyPr spcFirstLastPara="1" wrap="square" lIns="91425" tIns="45700" rIns="91425" bIns="45700" anchor="ctr" anchorCtr="0">
@@ -11465,7 +11522,7 @@
               <a:buNone/>
             </a:pPr>
             <a:r>
-              <a:rPr lang="de-DE" sz="1800" b="0" i="0" u="none" strike="noStrike" cap="none">
+              <a:rPr lang="de-DE" sz="2400" b="1" i="0" u="none" strike="noStrike" cap="none" dirty="0">
                 <a:solidFill>
                   <a:schemeClr val="lt1"/>
                 </a:solidFill>
@@ -11474,136 +11531,11 @@
                 <a:cs typeface="Calibri"/>
                 <a:sym typeface="Calibri"/>
               </a:rPr>
-              <a:t>Industry use</a:t>
+              <a:t>Industry</a:t>
             </a:r>
-            <a:endParaRPr sz="1800" b="0" i="0" u="none" strike="noStrike" cap="none">
+            <a:endParaRPr sz="1800" b="1" i="0" u="none" strike="noStrike" cap="none" dirty="0">
               <a:solidFill>
                 <a:schemeClr val="lt1"/>
-              </a:solidFill>
-              <a:latin typeface="Calibri"/>
-              <a:ea typeface="Calibri"/>
-              <a:cs typeface="Calibri"/>
-              <a:sym typeface="Calibri"/>
-            </a:endParaRPr>
-          </a:p>
-        </p:txBody>
-      </p:sp>
-      <p:sp>
-        <p:nvSpPr>
-          <p:cNvPr id="87" name="Google Shape;87;p13"/>
-          <p:cNvSpPr/>
-          <p:nvPr/>
-        </p:nvSpPr>
-        <p:spPr>
-          <a:xfrm>
-            <a:off x="8317743" y="1045075"/>
-            <a:ext cx="981600" cy="1305600"/>
-          </a:xfrm>
-          <a:prstGeom prst="rect">
-            <a:avLst/>
-          </a:prstGeom>
-          <a:solidFill>
-            <a:schemeClr val="accent4"/>
-          </a:solidFill>
-          <a:ln>
-            <a:noFill/>
-          </a:ln>
-          <a:effectLst>
-            <a:outerShdw blurRad="50800" dist="38100" dir="16200000" rotWithShape="0">
-              <a:srgbClr val="000000">
-                <a:alpha val="40000"/>
-              </a:srgbClr>
-            </a:outerShdw>
-          </a:effectLst>
-        </p:spPr>
-        <p:txBody>
-          <a:bodyPr spcFirstLastPara="1" wrap="square" lIns="91425" tIns="45700" rIns="91425" bIns="45700" anchor="ctr" anchorCtr="0">
-            <a:noAutofit/>
-          </a:bodyPr>
-          <a:lstStyle/>
-          <a:p>
-            <a:pPr marL="0" marR="0" lvl="0" indent="0" algn="ctr" rtl="0">
-              <a:spcBef>
-                <a:spcPts val="0"/>
-              </a:spcBef>
-              <a:spcAft>
-                <a:spcPts val="0"/>
-              </a:spcAft>
-              <a:buNone/>
-            </a:pPr>
-            <a:r>
-              <a:rPr lang="de-DE" sz="1800" b="0" i="0" u="none" strike="noStrike" cap="none">
-                <a:solidFill>
-                  <a:schemeClr val="lt1"/>
-                </a:solidFill>
-                <a:latin typeface="Calibri"/>
-                <a:ea typeface="Calibri"/>
-                <a:cs typeface="Calibri"/>
-                <a:sym typeface="Calibri"/>
-              </a:rPr>
-              <a:t>Industry use</a:t>
-            </a:r>
-            <a:endParaRPr sz="1800" b="0" i="0" u="none" strike="noStrike" cap="none">
-              <a:solidFill>
-                <a:schemeClr val="lt1"/>
-              </a:solidFill>
-              <a:latin typeface="Calibri"/>
-              <a:ea typeface="Calibri"/>
-              <a:cs typeface="Calibri"/>
-              <a:sym typeface="Calibri"/>
-            </a:endParaRPr>
-          </a:p>
-        </p:txBody>
-      </p:sp>
-      <p:sp>
-        <p:nvSpPr>
-          <p:cNvPr id="88" name="Google Shape;88;p13"/>
-          <p:cNvSpPr txBox="1"/>
-          <p:nvPr/>
-        </p:nvSpPr>
-        <p:spPr>
-          <a:xfrm>
-            <a:off x="7987732" y="2070460"/>
-            <a:ext cx="343500" cy="369300"/>
-          </a:xfrm>
-          <a:prstGeom prst="rect">
-            <a:avLst/>
-          </a:prstGeom>
-          <a:noFill/>
-          <a:ln>
-            <a:noFill/>
-          </a:ln>
-        </p:spPr>
-        <p:txBody>
-          <a:bodyPr spcFirstLastPara="1" wrap="square" lIns="91425" tIns="45700" rIns="91425" bIns="45700" anchor="t" anchorCtr="0">
-            <a:noAutofit/>
-          </a:bodyPr>
-          <a:lstStyle/>
-          <a:p>
-            <a:pPr marL="0" marR="0" lvl="0" indent="0" algn="l" rtl="0">
-              <a:spcBef>
-                <a:spcPts val="0"/>
-              </a:spcBef>
-              <a:spcAft>
-                <a:spcPts val="0"/>
-              </a:spcAft>
-              <a:buNone/>
-            </a:pPr>
-            <a:r>
-              <a:rPr lang="de-DE" sz="1800" b="0" i="0" u="none" strike="noStrike" cap="none">
-                <a:solidFill>
-                  <a:schemeClr val="dk1"/>
-                </a:solidFill>
-                <a:latin typeface="Calibri"/>
-                <a:ea typeface="Calibri"/>
-                <a:cs typeface="Calibri"/>
-                <a:sym typeface="Calibri"/>
-              </a:rPr>
-              <a:t>…</a:t>
-            </a:r>
-            <a:endParaRPr sz="1800">
-              <a:solidFill>
-                <a:schemeClr val="dk1"/>
               </a:solidFill>
               <a:latin typeface="Calibri"/>
               <a:ea typeface="Calibri"/>
@@ -11621,8 +11553,8 @@
         </p:nvSpPr>
         <p:spPr>
           <a:xfrm>
-            <a:off x="3596463" y="4493706"/>
-            <a:ext cx="1992300" cy="369300"/>
+            <a:off x="3483057" y="4493705"/>
+            <a:ext cx="1992300" cy="312113"/>
           </a:xfrm>
           <a:prstGeom prst="rect">
             <a:avLst/>
@@ -11631,6 +11563,7 @@
           <a:ln>
             <a:noFill/>
           </a:ln>
+          <a:effectLst/>
         </p:spPr>
         <p:txBody>
           <a:bodyPr spcFirstLastPara="1" wrap="square" lIns="91425" tIns="45700" rIns="91425" bIns="45700" anchor="t" anchorCtr="0">
@@ -11648,23 +11581,21 @@
               <a:buNone/>
             </a:pPr>
             <a:r>
-              <a:rPr lang="de-DE" sz="1800">
+              <a:rPr lang="de-DE" dirty="0">
                 <a:solidFill>
                   <a:schemeClr val="dk1"/>
                 </a:solidFill>
                 <a:latin typeface="Calibri"/>
-                <a:ea typeface="Calibri"/>
                 <a:cs typeface="Calibri"/>
                 <a:sym typeface="Calibri"/>
               </a:rPr>
-              <a:t>Use &amp; contribution</a:t>
+              <a:t>Use &amp; Contribution</a:t>
             </a:r>
-            <a:endParaRPr sz="1800">
+            <a:endParaRPr dirty="0">
               <a:solidFill>
                 <a:schemeClr val="dk1"/>
               </a:solidFill>
               <a:latin typeface="Calibri"/>
-              <a:ea typeface="Calibri"/>
               <a:cs typeface="Calibri"/>
               <a:sym typeface="Calibri"/>
             </a:endParaRPr>
@@ -11679,8 +11610,8 @@
         </p:nvSpPr>
         <p:spPr>
           <a:xfrm>
-            <a:off x="6380734" y="4440683"/>
-            <a:ext cx="2918400" cy="646200"/>
+            <a:off x="5933162" y="4493705"/>
+            <a:ext cx="3440110" cy="312113"/>
           </a:xfrm>
           <a:prstGeom prst="rect">
             <a:avLst/>
@@ -11689,6 +11620,7 @@
           <a:ln>
             <a:noFill/>
           </a:ln>
+          <a:effectLst/>
         </p:spPr>
         <p:txBody>
           <a:bodyPr spcFirstLastPara="1" wrap="square" lIns="91425" tIns="45700" rIns="91425" bIns="45700" anchor="t" anchorCtr="0">
@@ -11696,7 +11628,7 @@
           </a:bodyPr>
           <a:lstStyle/>
           <a:p>
-            <a:pPr marL="0" marR="0" lvl="0" indent="0" algn="l" rtl="0">
+            <a:pPr marL="0" marR="0" lvl="0" indent="0" algn="r" rtl="0">
               <a:spcBef>
                 <a:spcPts val="0"/>
               </a:spcBef>
@@ -11706,7 +11638,7 @@
               <a:buNone/>
             </a:pPr>
             <a:r>
-              <a:rPr lang="de-DE" sz="1800">
+              <a:rPr lang="de-DE" dirty="0">
                 <a:solidFill>
                   <a:schemeClr val="dk1"/>
                 </a:solidFill>
@@ -11715,9 +11647,9 @@
                 <a:cs typeface="Calibri"/>
                 <a:sym typeface="Calibri"/>
               </a:rPr>
-              <a:t>Licensed commercial use, support, customization </a:t>
+              <a:t>Industrial License, Support and Maintenance</a:t>
             </a:r>
-            <a:endParaRPr sz="1800">
+            <a:endParaRPr dirty="0">
               <a:solidFill>
                 <a:schemeClr val="dk1"/>
               </a:solidFill>
@@ -11737,7 +11669,7 @@
         </p:nvSpPr>
         <p:spPr>
           <a:xfrm rot="5400000">
-            <a:off x="3241305" y="4507800"/>
+            <a:off x="3241407" y="4503616"/>
             <a:ext cx="154500" cy="328800"/>
           </a:xfrm>
           <a:prstGeom prst="upDownArrow">
@@ -11747,17 +11679,20 @@
             </a:avLst>
           </a:prstGeom>
           <a:solidFill>
-            <a:schemeClr val="accent6"/>
+            <a:srgbClr val="00B050"/>
           </a:solidFill>
           <a:ln w="12700" cap="flat" cmpd="sng">
             <a:solidFill>
-              <a:srgbClr val="517E33"/>
+              <a:schemeClr val="accent6">
+                <a:lumMod val="75000"/>
+              </a:schemeClr>
             </a:solidFill>
             <a:prstDash val="solid"/>
             <a:miter lim="800000"/>
             <a:headEnd type="none" w="sm" len="sm"/>
             <a:tailEnd type="none" w="sm" len="sm"/>
           </a:ln>
+          <a:effectLst/>
         </p:spPr>
         <p:txBody>
           <a:bodyPr spcFirstLastPara="1" wrap="square" lIns="91425" tIns="45700" rIns="91425" bIns="45700" anchor="ctr" anchorCtr="0">
@@ -11765,21 +11700,12 @@
           </a:bodyPr>
           <a:lstStyle/>
           <a:p>
-            <a:pPr marL="0" marR="0" lvl="0" indent="0" algn="ctr" rtl="0">
-              <a:spcBef>
-                <a:spcPts val="0"/>
-              </a:spcBef>
-              <a:spcAft>
-                <a:spcPts val="0"/>
-              </a:spcAft>
-              <a:buNone/>
-            </a:pPr>
-            <a:endParaRPr sz="1800">
+            <a:pPr algn="ctr"/>
+            <a:endParaRPr sz="2400" b="1">
               <a:solidFill>
                 <a:schemeClr val="lt1"/>
               </a:solidFill>
               <a:latin typeface="Calibri"/>
-              <a:ea typeface="Calibri"/>
               <a:cs typeface="Calibri"/>
               <a:sym typeface="Calibri"/>
             </a:endParaRPr>
@@ -11794,8 +11720,8 @@
         </p:nvSpPr>
         <p:spPr>
           <a:xfrm>
-            <a:off x="4749158" y="2384992"/>
-            <a:ext cx="154500" cy="1334700"/>
+            <a:off x="3421564" y="2384992"/>
+            <a:ext cx="365472" cy="1334700"/>
           </a:xfrm>
           <a:prstGeom prst="upDownArrow">
             <a:avLst>
@@ -11804,17 +11730,20 @@
             </a:avLst>
           </a:prstGeom>
           <a:solidFill>
-            <a:schemeClr val="accent6"/>
+            <a:srgbClr val="00B050"/>
           </a:solidFill>
           <a:ln w="12700" cap="flat" cmpd="sng">
             <a:solidFill>
-              <a:srgbClr val="517E33"/>
+              <a:schemeClr val="accent6">
+                <a:lumMod val="75000"/>
+              </a:schemeClr>
             </a:solidFill>
             <a:prstDash val="solid"/>
             <a:miter lim="800000"/>
             <a:headEnd type="none" w="sm" len="sm"/>
             <a:tailEnd type="none" w="sm" len="sm"/>
           </a:ln>
+          <a:effectLst/>
         </p:spPr>
         <p:txBody>
           <a:bodyPr spcFirstLastPara="1" wrap="square" lIns="91425" tIns="45700" rIns="91425" bIns="45700" anchor="ctr" anchorCtr="0">
@@ -11822,135 +11751,12 @@
           </a:bodyPr>
           <a:lstStyle/>
           <a:p>
-            <a:pPr marL="0" marR="0" lvl="0" indent="0" algn="ctr" rtl="0">
-              <a:spcBef>
-                <a:spcPts val="0"/>
-              </a:spcBef>
-              <a:spcAft>
-                <a:spcPts val="0"/>
-              </a:spcAft>
-              <a:buNone/>
-            </a:pPr>
-            <a:endParaRPr sz="1800">
+            <a:pPr algn="ctr"/>
+            <a:endParaRPr sz="2400" b="1">
               <a:solidFill>
                 <a:schemeClr val="lt1"/>
               </a:solidFill>
               <a:latin typeface="Calibri"/>
-              <a:ea typeface="Calibri"/>
-              <a:cs typeface="Calibri"/>
-              <a:sym typeface="Calibri"/>
-            </a:endParaRPr>
-          </a:p>
-        </p:txBody>
-      </p:sp>
-      <p:sp>
-        <p:nvSpPr>
-          <p:cNvPr id="93" name="Google Shape;93;p13"/>
-          <p:cNvSpPr/>
-          <p:nvPr/>
-        </p:nvSpPr>
-        <p:spPr>
-          <a:xfrm rot="10800000">
-            <a:off x="4993251" y="2389570"/>
-            <a:ext cx="154500" cy="328800"/>
-          </a:xfrm>
-          <a:prstGeom prst="upDownArrow">
-            <a:avLst>
-              <a:gd name="adj1" fmla="val 41818"/>
-              <a:gd name="adj2" fmla="val 50000"/>
-            </a:avLst>
-          </a:prstGeom>
-          <a:solidFill>
-            <a:schemeClr val="accent6"/>
-          </a:solidFill>
-          <a:ln w="12700" cap="flat" cmpd="sng">
-            <a:solidFill>
-              <a:srgbClr val="517E33"/>
-            </a:solidFill>
-            <a:prstDash val="solid"/>
-            <a:miter lim="800000"/>
-            <a:headEnd type="none" w="sm" len="sm"/>
-            <a:tailEnd type="none" w="sm" len="sm"/>
-          </a:ln>
-        </p:spPr>
-        <p:txBody>
-          <a:bodyPr spcFirstLastPara="1" wrap="square" lIns="91425" tIns="45700" rIns="91425" bIns="45700" anchor="ctr" anchorCtr="0">
-            <a:noAutofit/>
-          </a:bodyPr>
-          <a:lstStyle/>
-          <a:p>
-            <a:pPr marL="0" marR="0" lvl="0" indent="0" algn="ctr" rtl="0">
-              <a:spcBef>
-                <a:spcPts val="0"/>
-              </a:spcBef>
-              <a:spcAft>
-                <a:spcPts val="0"/>
-              </a:spcAft>
-              <a:buNone/>
-            </a:pPr>
-            <a:endParaRPr sz="1800">
-              <a:solidFill>
-                <a:schemeClr val="lt1"/>
-              </a:solidFill>
-              <a:latin typeface="Calibri"/>
-              <a:ea typeface="Calibri"/>
-              <a:cs typeface="Calibri"/>
-              <a:sym typeface="Calibri"/>
-            </a:endParaRPr>
-          </a:p>
-        </p:txBody>
-      </p:sp>
-      <p:sp>
-        <p:nvSpPr>
-          <p:cNvPr id="94" name="Google Shape;94;p13"/>
-          <p:cNvSpPr/>
-          <p:nvPr/>
-        </p:nvSpPr>
-        <p:spPr>
-          <a:xfrm>
-            <a:off x="7230610" y="2383189"/>
-            <a:ext cx="154500" cy="1334700"/>
-          </a:xfrm>
-          <a:prstGeom prst="upDownArrow">
-            <a:avLst>
-              <a:gd name="adj1" fmla="val 50000"/>
-              <a:gd name="adj2" fmla="val 50000"/>
-            </a:avLst>
-          </a:prstGeom>
-          <a:solidFill>
-            <a:schemeClr val="accent6"/>
-          </a:solidFill>
-          <a:ln w="12700" cap="flat" cmpd="sng">
-            <a:solidFill>
-              <a:srgbClr val="517E33"/>
-            </a:solidFill>
-            <a:prstDash val="solid"/>
-            <a:miter lim="800000"/>
-            <a:headEnd type="none" w="sm" len="sm"/>
-            <a:tailEnd type="none" w="sm" len="sm"/>
-          </a:ln>
-        </p:spPr>
-        <p:txBody>
-          <a:bodyPr spcFirstLastPara="1" wrap="square" lIns="91425" tIns="45700" rIns="91425" bIns="45700" anchor="ctr" anchorCtr="0">
-            <a:noAutofit/>
-          </a:bodyPr>
-          <a:lstStyle/>
-          <a:p>
-            <a:pPr marL="0" marR="0" lvl="0" indent="0" algn="ctr" rtl="0">
-              <a:spcBef>
-                <a:spcPts val="0"/>
-              </a:spcBef>
-              <a:spcAft>
-                <a:spcPts val="0"/>
-              </a:spcAft>
-              <a:buNone/>
-            </a:pPr>
-            <a:endParaRPr sz="1800">
-              <a:solidFill>
-                <a:schemeClr val="lt1"/>
-              </a:solidFill>
-              <a:latin typeface="Calibri"/>
-              <a:ea typeface="Calibri"/>
               <a:cs typeface="Calibri"/>
               <a:sym typeface="Calibri"/>
             </a:endParaRPr>
@@ -11965,31 +11771,29 @@
         </p:nvSpPr>
         <p:spPr>
           <a:xfrm>
-            <a:off x="3154260" y="2796669"/>
-            <a:ext cx="5005200" cy="582900"/>
+            <a:off x="3983276" y="3034661"/>
+            <a:ext cx="4455091" cy="582900"/>
           </a:xfrm>
           <a:prstGeom prst="rect">
             <a:avLst/>
           </a:prstGeom>
           <a:solidFill>
-            <a:schemeClr val="accent2"/>
+            <a:schemeClr val="accent3">
+              <a:lumMod val="75000"/>
+            </a:schemeClr>
           </a:solidFill>
           <a:ln w="12700" cap="flat" cmpd="sng">
             <a:solidFill>
-              <a:srgbClr val="AC5B23"/>
+              <a:schemeClr val="accent6">
+                <a:lumMod val="50000"/>
+              </a:schemeClr>
             </a:solidFill>
             <a:prstDash val="solid"/>
             <a:miter lim="800000"/>
             <a:headEnd type="none" w="sm" len="sm"/>
             <a:tailEnd type="none" w="sm" len="sm"/>
           </a:ln>
-          <a:effectLst>
-            <a:outerShdw blurRad="50800" dist="38100" dir="16200000" rotWithShape="0">
-              <a:srgbClr val="000000">
-                <a:alpha val="40000"/>
-              </a:srgbClr>
-            </a:outerShdw>
-          </a:effectLst>
+          <a:effectLst/>
         </p:spPr>
         <p:txBody>
           <a:bodyPr spcFirstLastPara="1" wrap="square" lIns="91425" tIns="45700" rIns="91425" bIns="45700" anchor="ctr" anchorCtr="0">
@@ -11997,17 +11801,9 @@
           </a:bodyPr>
           <a:lstStyle/>
           <a:p>
-            <a:pPr marL="0" marR="0" lvl="0" indent="0" algn="ctr" rtl="0">
-              <a:spcBef>
-                <a:spcPts val="0"/>
-              </a:spcBef>
-              <a:spcAft>
-                <a:spcPts val="0"/>
-              </a:spcAft>
-              <a:buNone/>
-            </a:pPr>
+            <a:pPr lvl="0" algn="ctr"/>
             <a:r>
-              <a:rPr lang="de-DE" sz="1800">
+              <a:rPr lang="de-DE" sz="1600" dirty="0">
                 <a:solidFill>
                   <a:schemeClr val="lt1"/>
                 </a:solidFill>
@@ -12016,123 +11812,32 @@
                 <a:cs typeface="Calibri"/>
                 <a:sym typeface="Calibri"/>
               </a:rPr>
-              <a:t>AGPL packages (e.g. advanced algorithms, point clouds)</a:t>
+              <a:t>Specialized Packages &amp; Advanced Algorithms</a:t>
             </a:r>
-            <a:endParaRPr sz="1800">
-              <a:solidFill>
-                <a:schemeClr val="lt1"/>
-              </a:solidFill>
-              <a:latin typeface="Calibri"/>
-              <a:ea typeface="Calibri"/>
-              <a:cs typeface="Calibri"/>
-              <a:sym typeface="Calibri"/>
-            </a:endParaRPr>
-          </a:p>
-        </p:txBody>
-      </p:sp>
-      <p:sp>
-        <p:nvSpPr>
-          <p:cNvPr id="96" name="Google Shape;96;p13"/>
-          <p:cNvSpPr/>
-          <p:nvPr/>
-        </p:nvSpPr>
-        <p:spPr>
-          <a:xfrm>
-            <a:off x="8684618" y="2392858"/>
-            <a:ext cx="154500" cy="1334700"/>
-          </a:xfrm>
-          <a:prstGeom prst="upDownArrow">
-            <a:avLst>
-              <a:gd name="adj1" fmla="val 50000"/>
-              <a:gd name="adj2" fmla="val 50000"/>
-            </a:avLst>
-          </a:prstGeom>
-          <a:solidFill>
-            <a:schemeClr val="accent6"/>
-          </a:solidFill>
-          <a:ln w="12700" cap="flat" cmpd="sng">
-            <a:solidFill>
-              <a:srgbClr val="517E33"/>
-            </a:solidFill>
-            <a:prstDash val="solid"/>
-            <a:miter lim="800000"/>
-            <a:headEnd type="none" w="sm" len="sm"/>
-            <a:tailEnd type="none" w="sm" len="sm"/>
-          </a:ln>
-        </p:spPr>
-        <p:txBody>
-          <a:bodyPr spcFirstLastPara="1" wrap="square" lIns="91425" tIns="45700" rIns="91425" bIns="45700" anchor="ctr" anchorCtr="0">
-            <a:noAutofit/>
-          </a:bodyPr>
-          <a:lstStyle/>
-          <a:p>
-            <a:pPr marL="0" marR="0" lvl="0" indent="0" algn="ctr" rtl="0">
-              <a:spcBef>
-                <a:spcPts val="0"/>
-              </a:spcBef>
-              <a:spcAft>
-                <a:spcPts val="0"/>
-              </a:spcAft>
-              <a:buNone/>
-            </a:pPr>
-            <a:endParaRPr sz="1800">
-              <a:solidFill>
-                <a:schemeClr val="lt1"/>
-              </a:solidFill>
-              <a:latin typeface="Calibri"/>
-              <a:ea typeface="Calibri"/>
-              <a:cs typeface="Calibri"/>
-              <a:sym typeface="Calibri"/>
-            </a:endParaRPr>
-          </a:p>
-        </p:txBody>
-      </p:sp>
-      <p:sp>
-        <p:nvSpPr>
-          <p:cNvPr id="97" name="Google Shape;97;p13"/>
-          <p:cNvSpPr/>
-          <p:nvPr/>
-        </p:nvSpPr>
-        <p:spPr>
-          <a:xfrm rot="-5400000">
-            <a:off x="6039709" y="4537403"/>
-            <a:ext cx="213900" cy="328800"/>
-          </a:xfrm>
-          <a:prstGeom prst="downArrow">
-            <a:avLst>
-              <a:gd name="adj1" fmla="val 37039"/>
-              <a:gd name="adj2" fmla="val 50000"/>
-            </a:avLst>
-          </a:prstGeom>
-          <a:solidFill>
-            <a:schemeClr val="accent1"/>
-          </a:solidFill>
-          <a:ln w="12700" cap="flat" cmpd="sng">
-            <a:solidFill>
-              <a:srgbClr val="31538F"/>
-            </a:solidFill>
-            <a:prstDash val="solid"/>
-            <a:miter lim="800000"/>
-            <a:headEnd type="none" w="sm" len="sm"/>
-            <a:tailEnd type="none" w="sm" len="sm"/>
-          </a:ln>
-        </p:spPr>
-        <p:txBody>
-          <a:bodyPr spcFirstLastPara="1" wrap="square" lIns="91425" tIns="45700" rIns="91425" bIns="45700" anchor="ctr" anchorCtr="0">
-            <a:noAutofit/>
-          </a:bodyPr>
-          <a:lstStyle/>
-          <a:p>
-            <a:pPr marL="0" marR="0" lvl="0" indent="0" algn="ctr" rtl="0">
-              <a:spcBef>
-                <a:spcPts val="0"/>
-              </a:spcBef>
-              <a:spcAft>
-                <a:spcPts val="0"/>
-              </a:spcAft>
-              <a:buNone/>
-            </a:pPr>
-            <a:endParaRPr sz="1800">
+            <a:br>
+              <a:rPr lang="de-DE" sz="1800" dirty="0">
+                <a:solidFill>
+                  <a:schemeClr val="lt1"/>
+                </a:solidFill>
+                <a:latin typeface="Calibri"/>
+                <a:ea typeface="Calibri"/>
+                <a:cs typeface="Calibri"/>
+                <a:sym typeface="Calibri"/>
+              </a:rPr>
+            </a:br>
+            <a:r>
+              <a:rPr lang="de-DE" dirty="0">
+                <a:solidFill>
+                  <a:schemeClr val="lt1"/>
+                </a:solidFill>
+                <a:latin typeface="Calibri"/>
+                <a:ea typeface="Calibri"/>
+                <a:cs typeface="Calibri"/>
+                <a:sym typeface="Calibri"/>
+              </a:rPr>
+              <a:t>free for non-commercial use (AGPL)</a:t>
+            </a:r>
+            <a:endParaRPr sz="1800" dirty="0">
               <a:solidFill>
                 <a:schemeClr val="lt1"/>
               </a:solidFill>
@@ -12151,9 +11856,9 @@
           <p:nvPr/>
         </p:nvSpPr>
         <p:spPr>
-          <a:xfrm>
-            <a:off x="7531865" y="2389673"/>
-            <a:ext cx="154500" cy="377400"/>
+          <a:xfrm rot="10800000">
+            <a:off x="7502493" y="2389673"/>
+            <a:ext cx="401286" cy="612398"/>
           </a:xfrm>
           <a:prstGeom prst="downArrow">
             <a:avLst>
@@ -12162,17 +11867,16 @@
             </a:avLst>
           </a:prstGeom>
           <a:solidFill>
-            <a:schemeClr val="accent1"/>
+            <a:srgbClr val="5D7391"/>
           </a:solidFill>
-          <a:ln w="12700" cap="flat" cmpd="sng">
+          <a:ln>
             <a:solidFill>
-              <a:srgbClr val="31538F"/>
+              <a:schemeClr val="bg2">
+                <a:lumMod val="75000"/>
+              </a:schemeClr>
             </a:solidFill>
-            <a:prstDash val="solid"/>
-            <a:miter lim="800000"/>
-            <a:headEnd type="none" w="sm" len="sm"/>
-            <a:tailEnd type="none" w="sm" len="sm"/>
           </a:ln>
+          <a:effectLst/>
         </p:spPr>
         <p:txBody>
           <a:bodyPr spcFirstLastPara="1" wrap="square" lIns="91425" tIns="45700" rIns="91425" bIns="45700" anchor="ctr" anchorCtr="0">
@@ -12180,21 +11884,183 @@
           </a:bodyPr>
           <a:lstStyle/>
           <a:p>
-            <a:pPr marL="0" marR="0" lvl="0" indent="0" algn="ctr" rtl="0">
-              <a:spcBef>
-                <a:spcPts val="0"/>
-              </a:spcBef>
-              <a:spcAft>
-                <a:spcPts val="0"/>
-              </a:spcAft>
-              <a:buNone/>
-            </a:pPr>
-            <a:endParaRPr sz="1800">
+            <a:pPr algn="ctr"/>
+            <a:endParaRPr sz="2400">
               <a:solidFill>
                 <a:schemeClr val="lt1"/>
               </a:solidFill>
               <a:latin typeface="Calibri"/>
-              <a:ea typeface="Calibri"/>
+              <a:cs typeface="Calibri"/>
+              <a:sym typeface="Calibri"/>
+            </a:endParaRPr>
+          </a:p>
+        </p:txBody>
+      </p:sp>
+      <p:sp>
+        <p:nvSpPr>
+          <p:cNvPr id="17" name="Google Shape;92;p13">
+            <a:extLst>
+              <a:ext uri="{FF2B5EF4-FFF2-40B4-BE49-F238E27FC236}">
+                <a16:creationId xmlns:a16="http://schemas.microsoft.com/office/drawing/2014/main" id="{C73CF8CB-88D5-43ED-BA74-E7E588A0A1E1}"/>
+              </a:ext>
+            </a:extLst>
+          </p:cNvPr>
+          <p:cNvSpPr/>
+          <p:nvPr/>
+        </p:nvSpPr>
+        <p:spPr>
+          <a:xfrm>
+            <a:off x="8665805" y="2384992"/>
+            <a:ext cx="365472" cy="1334700"/>
+          </a:xfrm>
+          <a:prstGeom prst="upDownArrow">
+            <a:avLst>
+              <a:gd name="adj1" fmla="val 50000"/>
+              <a:gd name="adj2" fmla="val 50000"/>
+            </a:avLst>
+          </a:prstGeom>
+          <a:solidFill>
+            <a:srgbClr val="00B050"/>
+          </a:solidFill>
+          <a:ln w="12700" cap="flat" cmpd="sng">
+            <a:solidFill>
+              <a:schemeClr val="accent6">
+                <a:lumMod val="75000"/>
+              </a:schemeClr>
+            </a:solidFill>
+            <a:prstDash val="solid"/>
+            <a:miter lim="800000"/>
+            <a:headEnd type="none" w="sm" len="sm"/>
+            <a:tailEnd type="none" w="sm" len="sm"/>
+          </a:ln>
+          <a:effectLst/>
+        </p:spPr>
+        <p:txBody>
+          <a:bodyPr spcFirstLastPara="1" wrap="square" lIns="91425" tIns="45700" rIns="91425" bIns="45700" anchor="ctr" anchorCtr="0">
+            <a:noAutofit/>
+          </a:bodyPr>
+          <a:lstStyle/>
+          <a:p>
+            <a:pPr algn="ctr"/>
+            <a:endParaRPr sz="2400" b="1">
+              <a:solidFill>
+                <a:schemeClr val="lt1"/>
+              </a:solidFill>
+              <a:latin typeface="Calibri"/>
+              <a:cs typeface="Calibri"/>
+              <a:sym typeface="Calibri"/>
+            </a:endParaRPr>
+          </a:p>
+        </p:txBody>
+      </p:sp>
+      <p:sp>
+        <p:nvSpPr>
+          <p:cNvPr id="18" name="Google Shape;92;p13">
+            <a:extLst>
+              <a:ext uri="{FF2B5EF4-FFF2-40B4-BE49-F238E27FC236}">
+                <a16:creationId xmlns:a16="http://schemas.microsoft.com/office/drawing/2014/main" id="{321878A2-C391-42E8-899B-A684EEB859A0}"/>
+              </a:ext>
+            </a:extLst>
+          </p:cNvPr>
+          <p:cNvSpPr/>
+          <p:nvPr/>
+        </p:nvSpPr>
+        <p:spPr>
+          <a:xfrm>
+            <a:off x="4216968" y="2384992"/>
+            <a:ext cx="365472" cy="617079"/>
+          </a:xfrm>
+          <a:prstGeom prst="upDownArrow">
+            <a:avLst>
+              <a:gd name="adj1" fmla="val 50000"/>
+              <a:gd name="adj2" fmla="val 50000"/>
+            </a:avLst>
+          </a:prstGeom>
+          <a:solidFill>
+            <a:srgbClr val="00B050"/>
+          </a:solidFill>
+          <a:ln w="12700" cap="flat" cmpd="sng">
+            <a:solidFill>
+              <a:schemeClr val="accent6">
+                <a:lumMod val="75000"/>
+              </a:schemeClr>
+            </a:solidFill>
+            <a:prstDash val="solid"/>
+            <a:miter lim="800000"/>
+            <a:headEnd type="none" w="sm" len="sm"/>
+            <a:tailEnd type="none" w="sm" len="sm"/>
+          </a:ln>
+          <a:effectLst/>
+        </p:spPr>
+        <p:txBody>
+          <a:bodyPr spcFirstLastPara="1" wrap="square" lIns="91425" tIns="45700" rIns="91425" bIns="45700" anchor="ctr" anchorCtr="0">
+            <a:noAutofit/>
+          </a:bodyPr>
+          <a:lstStyle/>
+          <a:p>
+            <a:pPr algn="ctr"/>
+            <a:endParaRPr sz="2400" b="1">
+              <a:solidFill>
+                <a:schemeClr val="lt1"/>
+              </a:solidFill>
+              <a:latin typeface="Calibri"/>
+              <a:cs typeface="Calibri"/>
+              <a:sym typeface="Calibri"/>
+            </a:endParaRPr>
+          </a:p>
+        </p:txBody>
+      </p:sp>
+      <p:sp>
+        <p:nvSpPr>
+          <p:cNvPr id="22" name="Google Shape;98;p13">
+            <a:extLst>
+              <a:ext uri="{FF2B5EF4-FFF2-40B4-BE49-F238E27FC236}">
+                <a16:creationId xmlns:a16="http://schemas.microsoft.com/office/drawing/2014/main" id="{4DE2938E-85AF-49FE-83FA-54D190E2D4E0}"/>
+              </a:ext>
+            </a:extLst>
+          </p:cNvPr>
+          <p:cNvSpPr/>
+          <p:nvPr/>
+        </p:nvSpPr>
+        <p:spPr>
+          <a:xfrm>
+            <a:off x="7870401" y="2389673"/>
+            <a:ext cx="401286" cy="612398"/>
+          </a:xfrm>
+          <a:prstGeom prst="downArrow">
+            <a:avLst>
+              <a:gd name="adj1" fmla="val 50000"/>
+              <a:gd name="adj2" fmla="val 50000"/>
+            </a:avLst>
+          </a:prstGeom>
+          <a:solidFill>
+            <a:srgbClr val="00B050"/>
+          </a:solidFill>
+          <a:ln w="12700" cap="flat" cmpd="sng">
+            <a:solidFill>
+              <a:schemeClr val="accent6">
+                <a:lumMod val="75000"/>
+              </a:schemeClr>
+            </a:solidFill>
+            <a:prstDash val="solid"/>
+            <a:miter lim="800000"/>
+            <a:headEnd type="none" w="sm" len="sm"/>
+            <a:tailEnd type="none" w="sm" len="sm"/>
+          </a:ln>
+          <a:effectLst/>
+        </p:spPr>
+        <p:txBody>
+          <a:bodyPr spcFirstLastPara="1" wrap="square" lIns="91425" tIns="45700" rIns="91425" bIns="45700" anchor="ctr" anchorCtr="0">
+            <a:noAutofit/>
+          </a:bodyPr>
+          <a:lstStyle/>
+          <a:p>
+            <a:pPr algn="ctr"/>
+            <a:endParaRPr sz="2400" b="1">
+              <a:solidFill>
+                <a:schemeClr val="lt1"/>
+              </a:solidFill>
+              <a:latin typeface="Calibri"/>
               <a:cs typeface="Calibri"/>
               <a:sym typeface="Calibri"/>
             </a:endParaRPr>
